--- a/Wellness Chat Bot 2.pptx
+++ b/Wellness Chat Bot 2.pptx
@@ -18,8 +18,8 @@
     <p:sldId id="270" r:id="rId9"/>
     <p:sldId id="260" r:id="rId10"/>
     <p:sldId id="267" r:id="rId11"/>
-    <p:sldId id="268" r:id="rId12"/>
-    <p:sldId id="269" r:id="rId13"/>
+    <p:sldId id="269" r:id="rId12"/>
+    <p:sldId id="268" r:id="rId13"/>
     <p:sldId id="261" r:id="rId14"/>
     <p:sldId id="264" r:id="rId15"/>
   </p:sldIdLst>
@@ -908,7 +908,7 @@
     </p:spTree>
     <p:extLst>
       <p:ext uri="{BB962C8B-B14F-4D97-AF65-F5344CB8AC3E}">
-        <p14:creationId xmlns:p14="http://schemas.microsoft.com/office/powerpoint/2010/main" val="3077918268"/>
+        <p14:creationId xmlns:p14="http://schemas.microsoft.com/office/powerpoint/2010/main" val="592571690"/>
       </p:ext>
     </p:extLst>
   </p:cSld>
@@ -1025,7 +1025,7 @@
     </p:spTree>
     <p:extLst>
       <p:ext uri="{BB962C8B-B14F-4D97-AF65-F5344CB8AC3E}">
-        <p14:creationId xmlns:p14="http://schemas.microsoft.com/office/powerpoint/2010/main" val="592571690"/>
+        <p14:creationId xmlns:p14="http://schemas.microsoft.com/office/powerpoint/2010/main" val="3077918268"/>
       </p:ext>
     </p:extLst>
   </p:cSld>
@@ -15677,7 +15677,7 @@
                   <a:srgbClr val="FFFFFF"/>
                 </a:solidFill>
               </a:rPr>
-              <a:t>Link to the Solution</a:t>
+              <a:t>Chatbot Embed Link</a:t>
             </a:r>
           </a:p>
         </p:txBody>
@@ -15796,7 +15796,7 @@
         <p:spPr>
           <a:xfrm>
             <a:off x="681259" y="2252048"/>
-            <a:ext cx="7129241" cy="2031325"/>
+            <a:ext cx="7129241" cy="2308324"/>
           </a:xfrm>
           <a:prstGeom prst="rect">
             <a:avLst/>
@@ -15810,29 +15810,27 @@
           <a:lstStyle/>
           <a:p>
             <a:r>
-              <a:rPr lang="en-NZ" dirty="0">
-                <a:hlinkClick r:id="rId3"/>
-              </a:rPr>
-              <a:t>http://mytechlearning.blogspot.com/2021/04/wellness-chatbot.html </a:t>
+              <a:rPr lang="en-NZ" dirty="0"/>
+              <a:t>&lt;iframe </a:t>
+            </a:r>
+            <a:r>
+              <a:rPr lang="en-NZ" dirty="0" err="1"/>
+              <a:t>src</a:t>
+            </a:r>
+            <a:r>
+              <a:rPr lang="en-NZ" dirty="0"/>
+              <a:t>='https://webchat.botframework.com/embed/</a:t>
+            </a:r>
+            <a:r>
+              <a:rPr lang="en-NZ" dirty="0" err="1"/>
+              <a:t>counselchat?s</a:t>
+            </a:r>
+            <a:r>
+              <a:rPr lang="en-NZ" dirty="0"/>
+              <a:t>=N_E8rfGBAdA.jIUBjNFbpOpfDX0Jgf0MyhaxCvrioSPzolJARFwnGYg'  style='min-width: 400px; width: 100%; min-height: 500px;'&gt;&lt;/iframe&gt;</a:t>
             </a:r>
           </a:p>
           <a:p>
-            <a:endParaRPr lang="en-NZ" dirty="0">
-              <a:hlinkClick r:id="rId3"/>
-            </a:endParaRPr>
-          </a:p>
-          <a:p>
-            <a:endParaRPr lang="en-NZ" dirty="0">
-              <a:hlinkClick r:id="rId3"/>
-            </a:endParaRPr>
-          </a:p>
-          <a:p>
-            <a:r>
-              <a:rPr lang="en-NZ" dirty="0">
-                <a:hlinkClick r:id="rId3"/>
-              </a:rPr>
-              <a:t>https://github.com/indupriya9/AIHackathon</a:t>
-            </a:r>
             <a:endParaRPr lang="en-NZ" dirty="0"/>
           </a:p>
           <a:p>
@@ -15849,7 +15847,7 @@
     </p:spTree>
     <p:extLst>
       <p:ext uri="{BB962C8B-B14F-4D97-AF65-F5344CB8AC3E}">
-        <p14:creationId xmlns:p14="http://schemas.microsoft.com/office/powerpoint/2010/main" val="457112665"/>
+        <p14:creationId xmlns:p14="http://schemas.microsoft.com/office/powerpoint/2010/main" val="1164808835"/>
       </p:ext>
     </p:extLst>
   </p:cSld>
@@ -18384,7 +18382,7 @@
                   <a:srgbClr val="FFFFFF"/>
                 </a:solidFill>
               </a:rPr>
-              <a:t>Chatbot Embed Link</a:t>
+              <a:t>Link to the Solution</a:t>
             </a:r>
           </a:p>
         </p:txBody>
@@ -18503,7 +18501,7 @@
         <p:spPr>
           <a:xfrm>
             <a:off x="681259" y="2252048"/>
-            <a:ext cx="7129241" cy="2308324"/>
+            <a:ext cx="7129241" cy="2031325"/>
           </a:xfrm>
           <a:prstGeom prst="rect">
             <a:avLst/>
@@ -18517,27 +18515,29 @@
           <a:lstStyle/>
           <a:p>
             <a:r>
-              <a:rPr lang="en-NZ" dirty="0"/>
-              <a:t>&lt;iframe </a:t>
-            </a:r>
-            <a:r>
-              <a:rPr lang="en-NZ" dirty="0" err="1"/>
-              <a:t>src</a:t>
-            </a:r>
-            <a:r>
-              <a:rPr lang="en-NZ" dirty="0"/>
-              <a:t>='https://webchat.botframework.com/embed/</a:t>
-            </a:r>
-            <a:r>
-              <a:rPr lang="en-NZ" dirty="0" err="1"/>
-              <a:t>counselchat?s</a:t>
-            </a:r>
-            <a:r>
-              <a:rPr lang="en-NZ" dirty="0"/>
-              <a:t>=N_E8rfGBAdA.jIUBjNFbpOpfDX0Jgf0MyhaxCvrioSPzolJARFwnGYg'  style='min-width: 400px; width: 100%; min-height: 500px;'&gt;&lt;/iframe&gt;</a:t>
+              <a:rPr lang="en-NZ" dirty="0">
+                <a:hlinkClick r:id="rId3"/>
+              </a:rPr>
+              <a:t>http://mytechlearning.blogspot.com/2021/04/wellness-chatbot.html </a:t>
             </a:r>
           </a:p>
           <a:p>
+            <a:endParaRPr lang="en-NZ" dirty="0">
+              <a:hlinkClick r:id="rId3"/>
+            </a:endParaRPr>
+          </a:p>
+          <a:p>
+            <a:endParaRPr lang="en-NZ" dirty="0">
+              <a:hlinkClick r:id="rId3"/>
+            </a:endParaRPr>
+          </a:p>
+          <a:p>
+            <a:r>
+              <a:rPr lang="en-NZ" dirty="0">
+                <a:hlinkClick r:id="rId3"/>
+              </a:rPr>
+              <a:t>https://github.com/indupriya9/AIHackathon</a:t>
+            </a:r>
             <a:endParaRPr lang="en-NZ" dirty="0"/>
           </a:p>
           <a:p>
@@ -18554,7 +18554,7 @@
     </p:spTree>
     <p:extLst>
       <p:ext uri="{BB962C8B-B14F-4D97-AF65-F5344CB8AC3E}">
-        <p14:creationId xmlns:p14="http://schemas.microsoft.com/office/powerpoint/2010/main" val="1164808835"/>
+        <p14:creationId xmlns:p14="http://schemas.microsoft.com/office/powerpoint/2010/main" val="457112665"/>
       </p:ext>
     </p:extLst>
   </p:cSld>
